--- a/doc/ITU.pptx
+++ b/doc/ITU.pptx
@@ -5,16 +5,19 @@
     <p:sldMasterId id="2147483648" r:id="rId2"/>
   </p:sldMasterIdLst>
   <p:notesMasterIdLst>
-    <p:notesMasterId r:id="rId10"/>
+    <p:notesMasterId r:id="rId13"/>
   </p:notesMasterIdLst>
   <p:sldIdLst>
     <p:sldId id="256" r:id="rId3"/>
     <p:sldId id="267" r:id="rId4"/>
     <p:sldId id="265" r:id="rId5"/>
     <p:sldId id="266" r:id="rId6"/>
-    <p:sldId id="272" r:id="rId7"/>
-    <p:sldId id="270" r:id="rId8"/>
-    <p:sldId id="269" r:id="rId9"/>
+    <p:sldId id="273" r:id="rId7"/>
+    <p:sldId id="274" r:id="rId8"/>
+    <p:sldId id="272" r:id="rId9"/>
+    <p:sldId id="275" r:id="rId10"/>
+    <p:sldId id="270" r:id="rId11"/>
+    <p:sldId id="269" r:id="rId12"/>
   </p:sldIdLst>
   <p:sldSz cx="9144000" cy="6858000" type="screen4x3"/>
   <p:notesSz cx="6858000" cy="9144000"/>
@@ -5418,6 +5421,64 @@
 </p:sld>
 </file>
 
+<file path=ppt/slides/slide10.xml><?xml version="1.0" encoding="utf-8"?>
+<p:sld xmlns:a="http://schemas.openxmlformats.org/drawingml/2006/main" xmlns:r="http://schemas.openxmlformats.org/officeDocument/2006/relationships" xmlns:p="http://schemas.openxmlformats.org/presentationml/2006/main">
+  <p:cSld>
+    <p:spTree>
+      <p:nvGrpSpPr>
+        <p:cNvPr id="1" name=""/>
+        <p:cNvGrpSpPr/>
+        <p:nvPr/>
+      </p:nvGrpSpPr>
+      <p:grpSpPr>
+        <a:xfrm>
+          <a:off x="0" y="0"/>
+          <a:ext cx="0" cy="0"/>
+          <a:chOff x="0" y="0"/>
+          <a:chExt cx="0" cy="0"/>
+        </a:xfrm>
+      </p:grpSpPr>
+      <p:sp>
+        <p:nvSpPr>
+          <p:cNvPr id="2" name="Nadpis 1"/>
+          <p:cNvSpPr>
+            <a:spLocks noGrp="1"/>
+          </p:cNvSpPr>
+          <p:nvPr>
+            <p:ph type="title"/>
+          </p:nvPr>
+        </p:nvSpPr>
+        <p:spPr>
+          <a:xfrm>
+            <a:off x="457200" y="2866256"/>
+            <a:ext cx="8229600" cy="1066800"/>
+          </a:xfrm>
+        </p:spPr>
+        <p:txBody>
+          <a:bodyPr/>
+          <a:lstStyle/>
+          <a:p>
+            <a:pPr algn="ctr"/>
+            <a:r>
+              <a:rPr lang="sk-SK" dirty="0"/>
+              <a:t>Ďakujeme za pozornosť</a:t>
+            </a:r>
+          </a:p>
+        </p:txBody>
+      </p:sp>
+    </p:spTree>
+    <p:extLst>
+      <p:ext uri="{BB962C8B-B14F-4D97-AF65-F5344CB8AC3E}">
+        <p14:creationId xmlns:p14="http://schemas.microsoft.com/office/powerpoint/2010/main" val="475643176"/>
+      </p:ext>
+    </p:extLst>
+  </p:cSld>
+  <p:clrMapOvr>
+    <a:masterClrMapping/>
+  </p:clrMapOvr>
+</p:sld>
+</file>
+
 <file path=ppt/slides/slide2.xml><?xml version="1.0" encoding="utf-8"?>
 <p:sld xmlns:a="http://schemas.openxmlformats.org/drawingml/2006/main" xmlns:r="http://schemas.openxmlformats.org/officeDocument/2006/relationships" xmlns:p="http://schemas.openxmlformats.org/presentationml/2006/main">
   <p:cSld>
@@ -5977,31 +6038,41 @@
           </a:p>
         </p:txBody>
       </p:sp>
-      <p:sp>
-        <p:nvSpPr>
-          <p:cNvPr id="4" name="Zástupný objekt pre obsah 3">
+      <p:pic>
+        <p:nvPicPr>
+          <p:cNvPr id="5" name="Zástupný objekt pre obsah 4">
             <a:extLst>
               <a:ext uri="{FF2B5EF4-FFF2-40B4-BE49-F238E27FC236}">
-                <a16:creationId xmlns:a16="http://schemas.microsoft.com/office/drawing/2014/main" id="{D191EB25-090B-4A5C-8F28-FC95A4453753}"/>
+                <a16:creationId xmlns:a16="http://schemas.microsoft.com/office/drawing/2014/main" id="{433EA6EC-1BB0-4F97-B52D-D11AA245FA40}"/>
               </a:ext>
             </a:extLst>
           </p:cNvPr>
-          <p:cNvSpPr>
-            <a:spLocks noGrp="1"/>
-          </p:cNvSpPr>
+          <p:cNvPicPr>
+            <a:picLocks noGrp="1" noChangeAspect="1"/>
+          </p:cNvPicPr>
           <p:nvPr>
             <p:ph idx="1"/>
           </p:nvPr>
-        </p:nvSpPr>
-        <p:spPr/>
-        <p:txBody>
-          <a:bodyPr/>
-          <a:lstStyle/>
-          <a:p>
-            <a:endParaRPr lang="sk-SK"/>
-          </a:p>
-        </p:txBody>
-      </p:sp>
+        </p:nvPicPr>
+        <p:blipFill>
+          <a:blip r:embed="rId2">
+            <a:extLst>
+              <a:ext uri="{28A0092B-C50C-407E-A947-70E740481C1C}">
+                <a14:useLocalDpi xmlns:a14="http://schemas.microsoft.com/office/drawing/2010/main" val="0"/>
+              </a:ext>
+            </a:extLst>
+          </a:blip>
+          <a:stretch>
+            <a:fillRect/>
+          </a:stretch>
+        </p:blipFill>
+        <p:spPr>
+          <a:xfrm>
+            <a:off x="1817637" y="2197438"/>
+            <a:ext cx="5508726" cy="4324350"/>
+          </a:xfrm>
+        </p:spPr>
+      </p:pic>
     </p:spTree>
     <p:extLst>
       <p:ext uri="{BB962C8B-B14F-4D97-AF65-F5344CB8AC3E}">
@@ -6016,6 +6087,217 @@
 </file>
 
 <file path=ppt/slides/slide5.xml><?xml version="1.0" encoding="utf-8"?>
+<p:sld xmlns:a="http://schemas.openxmlformats.org/drawingml/2006/main" xmlns:r="http://schemas.openxmlformats.org/officeDocument/2006/relationships" xmlns:p="http://schemas.openxmlformats.org/presentationml/2006/main">
+  <p:cSld>
+    <p:spTree>
+      <p:nvGrpSpPr>
+        <p:cNvPr id="1" name=""/>
+        <p:cNvGrpSpPr/>
+        <p:nvPr/>
+      </p:nvGrpSpPr>
+      <p:grpSpPr>
+        <a:xfrm>
+          <a:off x="0" y="0"/>
+          <a:ext cx="0" cy="0"/>
+          <a:chOff x="0" y="0"/>
+          <a:chExt cx="0" cy="0"/>
+        </a:xfrm>
+      </p:grpSpPr>
+      <p:sp>
+        <p:nvSpPr>
+          <p:cNvPr id="2" name="Nadpis 1"/>
+          <p:cNvSpPr>
+            <a:spLocks noGrp="1"/>
+          </p:cNvSpPr>
+          <p:nvPr>
+            <p:ph type="title"/>
+          </p:nvPr>
+        </p:nvSpPr>
+        <p:spPr/>
+        <p:txBody>
+          <a:bodyPr/>
+          <a:lstStyle/>
+          <a:p>
+            <a:r>
+              <a:rPr lang="sk-SK" dirty="0"/>
+              <a:t>Rozhranie</a:t>
+            </a:r>
+          </a:p>
+        </p:txBody>
+      </p:sp>
+      <p:pic>
+        <p:nvPicPr>
+          <p:cNvPr id="7" name="Zástupný objekt pre obsah 6">
+            <a:extLst>
+              <a:ext uri="{FF2B5EF4-FFF2-40B4-BE49-F238E27FC236}">
+                <a16:creationId xmlns:a16="http://schemas.microsoft.com/office/drawing/2014/main" id="{232C3A57-1C5F-488C-9DBF-CB58987D8873}"/>
+              </a:ext>
+            </a:extLst>
+          </p:cNvPr>
+          <p:cNvPicPr>
+            <a:picLocks noGrp="1" noChangeAspect="1"/>
+          </p:cNvPicPr>
+          <p:nvPr>
+            <p:ph idx="1"/>
+          </p:nvPr>
+        </p:nvPicPr>
+        <p:blipFill>
+          <a:blip r:embed="rId2">
+            <a:extLst>
+              <a:ext uri="{28A0092B-C50C-407E-A947-70E740481C1C}">
+                <a14:useLocalDpi xmlns:a14="http://schemas.microsoft.com/office/drawing/2010/main" val="0"/>
+              </a:ext>
+            </a:extLst>
+          </a:blip>
+          <a:stretch>
+            <a:fillRect/>
+          </a:stretch>
+        </p:blipFill>
+        <p:spPr>
+          <a:xfrm>
+            <a:off x="4030168" y="2852936"/>
+            <a:ext cx="3810000" cy="3124200"/>
+          </a:xfrm>
+        </p:spPr>
+      </p:pic>
+      <p:pic>
+        <p:nvPicPr>
+          <p:cNvPr id="9" name="Obrázok 8">
+            <a:extLst>
+              <a:ext uri="{FF2B5EF4-FFF2-40B4-BE49-F238E27FC236}">
+                <a16:creationId xmlns:a16="http://schemas.microsoft.com/office/drawing/2014/main" id="{508594D0-AE30-4AC8-8D94-71CAA3B2BC03}"/>
+              </a:ext>
+            </a:extLst>
+          </p:cNvPr>
+          <p:cNvPicPr>
+            <a:picLocks noChangeAspect="1"/>
+          </p:cNvPicPr>
+          <p:nvPr/>
+        </p:nvPicPr>
+        <p:blipFill>
+          <a:blip r:embed="rId3">
+            <a:extLst>
+              <a:ext uri="{28A0092B-C50C-407E-A947-70E740481C1C}">
+                <a14:useLocalDpi xmlns:a14="http://schemas.microsoft.com/office/drawing/2010/main" val="0"/>
+              </a:ext>
+            </a:extLst>
+          </a:blip>
+          <a:stretch>
+            <a:fillRect/>
+          </a:stretch>
+        </p:blipFill>
+        <p:spPr>
+          <a:xfrm>
+            <a:off x="1283090" y="2348880"/>
+            <a:ext cx="2381250" cy="1409700"/>
+          </a:xfrm>
+          <a:prstGeom prst="rect">
+            <a:avLst/>
+          </a:prstGeom>
+        </p:spPr>
+      </p:pic>
+    </p:spTree>
+    <p:extLst>
+      <p:ext uri="{BB962C8B-B14F-4D97-AF65-F5344CB8AC3E}">
+        <p14:creationId xmlns:p14="http://schemas.microsoft.com/office/powerpoint/2010/main" val="3864210884"/>
+      </p:ext>
+    </p:extLst>
+  </p:cSld>
+  <p:clrMapOvr>
+    <a:masterClrMapping/>
+  </p:clrMapOvr>
+</p:sld>
+</file>
+
+<file path=ppt/slides/slide6.xml><?xml version="1.0" encoding="utf-8"?>
+<p:sld xmlns:a="http://schemas.openxmlformats.org/drawingml/2006/main" xmlns:r="http://schemas.openxmlformats.org/officeDocument/2006/relationships" xmlns:p="http://schemas.openxmlformats.org/presentationml/2006/main">
+  <p:cSld>
+    <p:spTree>
+      <p:nvGrpSpPr>
+        <p:cNvPr id="1" name=""/>
+        <p:cNvGrpSpPr/>
+        <p:nvPr/>
+      </p:nvGrpSpPr>
+      <p:grpSpPr>
+        <a:xfrm>
+          <a:off x="0" y="0"/>
+          <a:ext cx="0" cy="0"/>
+          <a:chOff x="0" y="0"/>
+          <a:chExt cx="0" cy="0"/>
+        </a:xfrm>
+      </p:grpSpPr>
+      <p:sp>
+        <p:nvSpPr>
+          <p:cNvPr id="2" name="Nadpis 1"/>
+          <p:cNvSpPr>
+            <a:spLocks noGrp="1"/>
+          </p:cNvSpPr>
+          <p:nvPr>
+            <p:ph type="title"/>
+          </p:nvPr>
+        </p:nvSpPr>
+        <p:spPr/>
+        <p:txBody>
+          <a:bodyPr/>
+          <a:lstStyle/>
+          <a:p>
+            <a:r>
+              <a:rPr lang="sk-SK" dirty="0"/>
+              <a:t>Rozhranie</a:t>
+            </a:r>
+          </a:p>
+        </p:txBody>
+      </p:sp>
+      <p:pic>
+        <p:nvPicPr>
+          <p:cNvPr id="10" name="Obrázok 9">
+            <a:extLst>
+              <a:ext uri="{FF2B5EF4-FFF2-40B4-BE49-F238E27FC236}">
+                <a16:creationId xmlns:a16="http://schemas.microsoft.com/office/drawing/2014/main" id="{A0153B3B-C9EA-4162-BAA0-BA19AC235F28}"/>
+              </a:ext>
+            </a:extLst>
+          </p:cNvPr>
+          <p:cNvPicPr>
+            <a:picLocks noChangeAspect="1"/>
+          </p:cNvPicPr>
+          <p:nvPr/>
+        </p:nvPicPr>
+        <p:blipFill>
+          <a:blip r:embed="rId2">
+            <a:extLst>
+              <a:ext uri="{28A0092B-C50C-407E-A947-70E740481C1C}">
+                <a14:useLocalDpi xmlns:a14="http://schemas.microsoft.com/office/drawing/2010/main" val="0"/>
+              </a:ext>
+            </a:extLst>
+          </a:blip>
+          <a:stretch>
+            <a:fillRect/>
+          </a:stretch>
+        </p:blipFill>
+        <p:spPr>
+          <a:xfrm>
+            <a:off x="1848718" y="2060848"/>
+            <a:ext cx="5446563" cy="4298151"/>
+          </a:xfrm>
+          <a:prstGeom prst="rect">
+            <a:avLst/>
+          </a:prstGeom>
+        </p:spPr>
+      </p:pic>
+    </p:spTree>
+    <p:extLst>
+      <p:ext uri="{BB962C8B-B14F-4D97-AF65-F5344CB8AC3E}">
+        <p14:creationId xmlns:p14="http://schemas.microsoft.com/office/powerpoint/2010/main" val="4066968020"/>
+      </p:ext>
+    </p:extLst>
+  </p:cSld>
+  <p:clrMapOvr>
+    <a:masterClrMapping/>
+  </p:clrMapOvr>
+</p:sld>
+</file>
+
+<file path=ppt/slides/slide7.xml><?xml version="1.0" encoding="utf-8"?>
 <p:sld xmlns:a="http://schemas.openxmlformats.org/drawingml/2006/main" xmlns:r="http://schemas.openxmlformats.org/officeDocument/2006/relationships" xmlns:p="http://schemas.openxmlformats.org/presentationml/2006/main">
   <p:cSld>
     <p:spTree>
@@ -6152,7 +6434,95 @@
 </p:sld>
 </file>
 
-<file path=ppt/slides/slide6.xml><?xml version="1.0" encoding="utf-8"?>
+<file path=ppt/slides/slide8.xml><?xml version="1.0" encoding="utf-8"?>
+<p:sld xmlns:a="http://schemas.openxmlformats.org/drawingml/2006/main" xmlns:r="http://schemas.openxmlformats.org/officeDocument/2006/relationships" xmlns:p="http://schemas.openxmlformats.org/presentationml/2006/main">
+  <p:cSld>
+    <p:spTree>
+      <p:nvGrpSpPr>
+        <p:cNvPr id="1" name=""/>
+        <p:cNvGrpSpPr/>
+        <p:nvPr/>
+      </p:nvGrpSpPr>
+      <p:grpSpPr>
+        <a:xfrm>
+          <a:off x="0" y="0"/>
+          <a:ext cx="0" cy="0"/>
+          <a:chOff x="0" y="0"/>
+          <a:chExt cx="0" cy="0"/>
+        </a:xfrm>
+      </p:grpSpPr>
+      <p:sp>
+        <p:nvSpPr>
+          <p:cNvPr id="2" name="Nadpis 1"/>
+          <p:cNvSpPr>
+            <a:spLocks noGrp="1"/>
+          </p:cNvSpPr>
+          <p:nvPr>
+            <p:ph type="title"/>
+          </p:nvPr>
+        </p:nvSpPr>
+        <p:spPr/>
+        <p:txBody>
+          <a:bodyPr/>
+          <a:lstStyle/>
+          <a:p>
+            <a:r>
+              <a:rPr lang="sk-SK" dirty="0"/>
+              <a:t>Testy</a:t>
+            </a:r>
+          </a:p>
+        </p:txBody>
+      </p:sp>
+      <p:pic>
+        <p:nvPicPr>
+          <p:cNvPr id="8" name="Obrázok 7">
+            <a:extLst>
+              <a:ext uri="{FF2B5EF4-FFF2-40B4-BE49-F238E27FC236}">
+                <a16:creationId xmlns:a16="http://schemas.microsoft.com/office/drawing/2014/main" id="{63155A9F-D83D-4A7C-A257-2073A457205C}"/>
+              </a:ext>
+            </a:extLst>
+          </p:cNvPr>
+          <p:cNvPicPr>
+            <a:picLocks noChangeAspect="1"/>
+          </p:cNvPicPr>
+          <p:nvPr/>
+        </p:nvPicPr>
+        <p:blipFill>
+          <a:blip r:embed="rId2" cstate="print">
+            <a:extLst>
+              <a:ext uri="{28A0092B-C50C-407E-A947-70E740481C1C}">
+                <a14:useLocalDpi xmlns:a14="http://schemas.microsoft.com/office/drawing/2010/main" val="0"/>
+              </a:ext>
+            </a:extLst>
+          </a:blip>
+          <a:stretch>
+            <a:fillRect/>
+          </a:stretch>
+        </p:blipFill>
+        <p:spPr>
+          <a:xfrm>
+            <a:off x="1853952" y="2209800"/>
+            <a:ext cx="5436096" cy="4077072"/>
+          </a:xfrm>
+          <a:prstGeom prst="rect">
+            <a:avLst/>
+          </a:prstGeom>
+        </p:spPr>
+      </p:pic>
+    </p:spTree>
+    <p:extLst>
+      <p:ext uri="{BB962C8B-B14F-4D97-AF65-F5344CB8AC3E}">
+        <p14:creationId xmlns:p14="http://schemas.microsoft.com/office/powerpoint/2010/main" val="2388577130"/>
+      </p:ext>
+    </p:extLst>
+  </p:cSld>
+  <p:clrMapOvr>
+    <a:masterClrMapping/>
+  </p:clrMapOvr>
+</p:sld>
+</file>
+
+<file path=ppt/slides/slide9.xml><?xml version="1.0" encoding="utf-8"?>
 <p:sld xmlns:a="http://schemas.openxmlformats.org/drawingml/2006/main" xmlns:r="http://schemas.openxmlformats.org/officeDocument/2006/relationships" xmlns:p="http://schemas.openxmlformats.org/presentationml/2006/main">
   <p:cSld>
     <p:spTree>
@@ -6276,64 +6646,6 @@
     <p:extLst>
       <p:ext uri="{BB962C8B-B14F-4D97-AF65-F5344CB8AC3E}">
         <p14:creationId xmlns:p14="http://schemas.microsoft.com/office/powerpoint/2010/main" val="2994575964"/>
-      </p:ext>
-    </p:extLst>
-  </p:cSld>
-  <p:clrMapOvr>
-    <a:masterClrMapping/>
-  </p:clrMapOvr>
-</p:sld>
-</file>
-
-<file path=ppt/slides/slide7.xml><?xml version="1.0" encoding="utf-8"?>
-<p:sld xmlns:a="http://schemas.openxmlformats.org/drawingml/2006/main" xmlns:r="http://schemas.openxmlformats.org/officeDocument/2006/relationships" xmlns:p="http://schemas.openxmlformats.org/presentationml/2006/main">
-  <p:cSld>
-    <p:spTree>
-      <p:nvGrpSpPr>
-        <p:cNvPr id="1" name=""/>
-        <p:cNvGrpSpPr/>
-        <p:nvPr/>
-      </p:nvGrpSpPr>
-      <p:grpSpPr>
-        <a:xfrm>
-          <a:off x="0" y="0"/>
-          <a:ext cx="0" cy="0"/>
-          <a:chOff x="0" y="0"/>
-          <a:chExt cx="0" cy="0"/>
-        </a:xfrm>
-      </p:grpSpPr>
-      <p:sp>
-        <p:nvSpPr>
-          <p:cNvPr id="2" name="Nadpis 1"/>
-          <p:cNvSpPr>
-            <a:spLocks noGrp="1"/>
-          </p:cNvSpPr>
-          <p:nvPr>
-            <p:ph type="title"/>
-          </p:nvPr>
-        </p:nvSpPr>
-        <p:spPr>
-          <a:xfrm>
-            <a:off x="457200" y="2866256"/>
-            <a:ext cx="8229600" cy="1066800"/>
-          </a:xfrm>
-        </p:spPr>
-        <p:txBody>
-          <a:bodyPr/>
-          <a:lstStyle/>
-          <a:p>
-            <a:pPr algn="ctr"/>
-            <a:r>
-              <a:rPr lang="sk-SK" dirty="0"/>
-              <a:t>Ďakujeme za pozornosť</a:t>
-            </a:r>
-          </a:p>
-        </p:txBody>
-      </p:sp>
-    </p:spTree>
-    <p:extLst>
-      <p:ext uri="{BB962C8B-B14F-4D97-AF65-F5344CB8AC3E}">
-        <p14:creationId xmlns:p14="http://schemas.microsoft.com/office/powerpoint/2010/main" val="475643176"/>
       </p:ext>
     </p:extLst>
   </p:cSld>
